--- a/intrenship proect.ik.pptx
+++ b/intrenship proect.ik.pptx
@@ -18,6 +18,7 @@
     <p:sldId id="266" r:id="rId12"/>
     <p:sldId id="267" r:id="rId13"/>
     <p:sldId id="268" r:id="rId14"/>
+    <p:sldId id="269" r:id="rId15"/>
   </p:sldIdLst>
   <p:sldSz cx="12192000" cy="6858000"/>
   <p:notesSz cx="6858000" cy="9144000"/>
@@ -161,6 +162,38 @@
       </pc:sldChg>
     </pc:docChg>
   </pc:docChgLst>
+  <pc:docChgLst>
+    <pc:chgData name="Poornima Sundarapu" userId="ec3e2e0cb2ecb83d" providerId="LiveId" clId="{024119B9-39FF-4443-B4B8-5CED4E84F6A6}"/>
+    <pc:docChg chg="addSld modSld">
+      <pc:chgData name="Poornima Sundarapu" userId="ec3e2e0cb2ecb83d" providerId="LiveId" clId="{024119B9-39FF-4443-B4B8-5CED4E84F6A6}" dt="2024-06-20T12:27:36.809" v="5" actId="20577"/>
+      <pc:docMkLst>
+        <pc:docMk/>
+      </pc:docMkLst>
+      <pc:sldChg chg="addSp modSp new mod">
+        <pc:chgData name="Poornima Sundarapu" userId="ec3e2e0cb2ecb83d" providerId="LiveId" clId="{024119B9-39FF-4443-B4B8-5CED4E84F6A6}" dt="2024-06-20T12:27:36.809" v="5" actId="20577"/>
+        <pc:sldMkLst>
+          <pc:docMk/>
+          <pc:sldMk cId="802684543" sldId="269"/>
+        </pc:sldMkLst>
+        <pc:spChg chg="mod">
+          <ac:chgData name="Poornima Sundarapu" userId="ec3e2e0cb2ecb83d" providerId="LiveId" clId="{024119B9-39FF-4443-B4B8-5CED4E84F6A6}" dt="2024-06-20T12:27:36.809" v="5" actId="20577"/>
+          <ac:spMkLst>
+            <pc:docMk/>
+            <pc:sldMk cId="802684543" sldId="269"/>
+            <ac:spMk id="2" creationId="{178F34D2-0F3F-9FCE-D3BA-24BADF8E7BFF}"/>
+          </ac:spMkLst>
+        </pc:spChg>
+        <pc:spChg chg="add">
+          <ac:chgData name="Poornima Sundarapu" userId="ec3e2e0cb2ecb83d" providerId="LiveId" clId="{024119B9-39FF-4443-B4B8-5CED4E84F6A6}" dt="2024-06-20T12:27:27.892" v="1" actId="22"/>
+          <ac:spMkLst>
+            <pc:docMk/>
+            <pc:sldMk cId="802684543" sldId="269"/>
+            <ac:spMk id="5" creationId="{5EA2E088-C93F-C15B-B58B-77BD1EE838FC}"/>
+          </ac:spMkLst>
+        </pc:spChg>
+      </pc:sldChg>
+    </pc:docChg>
+  </pc:docChgLst>
 </pc:chgInfo>
 </file>
 
@@ -303,7 +336,7 @@
           <a:p>
             <a:fld id="{55D2540E-8769-4058-9789-6CC418758B28}" type="datetimeFigureOut">
               <a:rPr lang="en-IN" smtClean="0"/>
-              <a:t>13-06-2024</a:t>
+              <a:t>20-06-2024</a:t>
             </a:fld>
             <a:endParaRPr lang="en-IN"/>
           </a:p>
@@ -509,7 +542,7 @@
           <a:p>
             <a:fld id="{55D2540E-8769-4058-9789-6CC418758B28}" type="datetimeFigureOut">
               <a:rPr lang="en-IN" smtClean="0"/>
-              <a:t>13-06-2024</a:t>
+              <a:t>20-06-2024</a:t>
             </a:fld>
             <a:endParaRPr lang="en-IN"/>
           </a:p>
@@ -719,7 +752,7 @@
           <a:p>
             <a:fld id="{55D2540E-8769-4058-9789-6CC418758B28}" type="datetimeFigureOut">
               <a:rPr lang="en-IN" smtClean="0"/>
-              <a:t>13-06-2024</a:t>
+              <a:t>20-06-2024</a:t>
             </a:fld>
             <a:endParaRPr lang="en-IN"/>
           </a:p>
@@ -915,7 +948,7 @@
           <a:p>
             <a:fld id="{55D2540E-8769-4058-9789-6CC418758B28}" type="datetimeFigureOut">
               <a:rPr lang="en-IN" smtClean="0"/>
-              <a:t>13-06-2024</a:t>
+              <a:t>20-06-2024</a:t>
             </a:fld>
             <a:endParaRPr lang="en-IN"/>
           </a:p>
@@ -1189,7 +1222,7 @@
           <a:p>
             <a:fld id="{55D2540E-8769-4058-9789-6CC418758B28}" type="datetimeFigureOut">
               <a:rPr lang="en-IN" smtClean="0"/>
-              <a:t>13-06-2024</a:t>
+              <a:t>20-06-2024</a:t>
             </a:fld>
             <a:endParaRPr lang="en-IN"/>
           </a:p>
@@ -1452,7 +1485,7 @@
           <a:p>
             <a:fld id="{55D2540E-8769-4058-9789-6CC418758B28}" type="datetimeFigureOut">
               <a:rPr lang="en-IN" smtClean="0"/>
-              <a:t>13-06-2024</a:t>
+              <a:t>20-06-2024</a:t>
             </a:fld>
             <a:endParaRPr lang="en-IN"/>
           </a:p>
@@ -1863,7 +1896,7 @@
           <a:p>
             <a:fld id="{55D2540E-8769-4058-9789-6CC418758B28}" type="datetimeFigureOut">
               <a:rPr lang="en-IN" smtClean="0"/>
-              <a:t>13-06-2024</a:t>
+              <a:t>20-06-2024</a:t>
             </a:fld>
             <a:endParaRPr lang="en-IN"/>
           </a:p>
@@ -2007,7 +2040,7 @@
           <a:p>
             <a:fld id="{55D2540E-8769-4058-9789-6CC418758B28}" type="datetimeFigureOut">
               <a:rPr lang="en-IN" smtClean="0"/>
-              <a:t>13-06-2024</a:t>
+              <a:t>20-06-2024</a:t>
             </a:fld>
             <a:endParaRPr lang="en-IN"/>
           </a:p>
@@ -2128,7 +2161,7 @@
           <a:p>
             <a:fld id="{55D2540E-8769-4058-9789-6CC418758B28}" type="datetimeFigureOut">
               <a:rPr lang="en-IN" smtClean="0"/>
-              <a:t>13-06-2024</a:t>
+              <a:t>20-06-2024</a:t>
             </a:fld>
             <a:endParaRPr lang="en-IN"/>
           </a:p>
@@ -2374,7 +2407,7 @@
           <a:p>
             <a:fld id="{55D2540E-8769-4058-9789-6CC418758B28}" type="datetimeFigureOut">
               <a:rPr lang="en-IN" smtClean="0"/>
-              <a:t>13-06-2024</a:t>
+              <a:t>20-06-2024</a:t>
             </a:fld>
             <a:endParaRPr lang="en-IN"/>
           </a:p>
@@ -2814,7 +2847,7 @@
           <a:p>
             <a:fld id="{55D2540E-8769-4058-9789-6CC418758B28}" type="datetimeFigureOut">
               <a:rPr lang="en-IN" smtClean="0"/>
-              <a:t>13-06-2024</a:t>
+              <a:t>20-06-2024</a:t>
             </a:fld>
             <a:endParaRPr lang="en-IN"/>
           </a:p>
@@ -3138,7 +3171,7 @@
           <a:p>
             <a:fld id="{55D2540E-8769-4058-9789-6CC418758B28}" type="datetimeFigureOut">
               <a:rPr lang="en-IN" smtClean="0"/>
-              <a:t>13-06-2024</a:t>
+              <a:t>20-06-2024</a:t>
             </a:fld>
             <a:endParaRPr lang="en-IN"/>
           </a:p>
@@ -4342,6 +4375,124 @@
 </p:sld>
 </file>
 
+<file path=ppt/slides/slide14.xml><?xml version="1.0" encoding="utf-8"?>
+<p:sld xmlns:a="http://schemas.openxmlformats.org/drawingml/2006/main" xmlns:r="http://schemas.openxmlformats.org/officeDocument/2006/relationships" xmlns:p="http://schemas.openxmlformats.org/presentationml/2006/main">
+  <p:cSld>
+    <p:spTree>
+      <p:nvGrpSpPr>
+        <p:cNvPr id="1" name=""/>
+        <p:cNvGrpSpPr/>
+        <p:nvPr/>
+      </p:nvGrpSpPr>
+      <p:grpSpPr>
+        <a:xfrm>
+          <a:off x="0" y="0"/>
+          <a:ext cx="0" cy="0"/>
+          <a:chOff x="0" y="0"/>
+          <a:chExt cx="0" cy="0"/>
+        </a:xfrm>
+      </p:grpSpPr>
+      <p:sp>
+        <p:nvSpPr>
+          <p:cNvPr id="2" name="Title 1">
+            <a:extLst>
+              <a:ext uri="{FF2B5EF4-FFF2-40B4-BE49-F238E27FC236}">
+                <a16:creationId xmlns:a16="http://schemas.microsoft.com/office/drawing/2014/main" id="{178F34D2-0F3F-9FCE-D3BA-24BADF8E7BFF}"/>
+              </a:ext>
+            </a:extLst>
+          </p:cNvPr>
+          <p:cNvSpPr>
+            <a:spLocks noGrp="1"/>
+          </p:cNvSpPr>
+          <p:nvPr>
+            <p:ph type="title"/>
+          </p:nvPr>
+        </p:nvSpPr>
+        <p:spPr/>
+        <p:txBody>
+          <a:bodyPr/>
+          <a:lstStyle/>
+          <a:p>
+            <a:r>
+              <a:rPr lang="en-US" dirty="0"/>
+              <a:t>link</a:t>
+            </a:r>
+          </a:p>
+        </p:txBody>
+      </p:sp>
+      <p:sp>
+        <p:nvSpPr>
+          <p:cNvPr id="3" name="Content Placeholder 2">
+            <a:extLst>
+              <a:ext uri="{FF2B5EF4-FFF2-40B4-BE49-F238E27FC236}">
+                <a16:creationId xmlns:a16="http://schemas.microsoft.com/office/drawing/2014/main" id="{24F1BAD6-81B7-0D03-A45A-B52D1D6B8F60}"/>
+              </a:ext>
+            </a:extLst>
+          </p:cNvPr>
+          <p:cNvSpPr>
+            <a:spLocks noGrp="1"/>
+          </p:cNvSpPr>
+          <p:nvPr>
+            <p:ph idx="1"/>
+          </p:nvPr>
+        </p:nvSpPr>
+        <p:spPr/>
+        <p:txBody>
+          <a:bodyPr/>
+          <a:lstStyle/>
+          <a:p>
+            <a:endParaRPr lang="en-US" dirty="0"/>
+          </a:p>
+        </p:txBody>
+      </p:sp>
+      <p:sp>
+        <p:nvSpPr>
+          <p:cNvPr id="5" name="TextBox 4">
+            <a:extLst>
+              <a:ext uri="{FF2B5EF4-FFF2-40B4-BE49-F238E27FC236}">
+                <a16:creationId xmlns:a16="http://schemas.microsoft.com/office/drawing/2014/main" id="{5EA2E088-C93F-C15B-B58B-77BD1EE838FC}"/>
+              </a:ext>
+            </a:extLst>
+          </p:cNvPr>
+          <p:cNvSpPr txBox="1"/>
+          <p:nvPr/>
+        </p:nvSpPr>
+        <p:spPr>
+          <a:xfrm>
+            <a:off x="3052330" y="3111030"/>
+            <a:ext cx="6104658" cy="646331"/>
+          </a:xfrm>
+          <a:prstGeom prst="rect">
+            <a:avLst/>
+          </a:prstGeom>
+          <a:noFill/>
+        </p:spPr>
+        <p:txBody>
+          <a:bodyPr wrap="square">
+            <a:spAutoFit/>
+          </a:bodyPr>
+          <a:lstStyle/>
+          <a:p>
+            <a:r>
+              <a:rPr lang="en-US" dirty="0"/>
+              <a:t>https://medium.com/daily-python/developing-a-simple-key-logger-using-python-daily-python-19-3338b90e68d7</a:t>
+            </a:r>
+          </a:p>
+        </p:txBody>
+      </p:sp>
+    </p:spTree>
+    <p:extLst>
+      <p:ext uri="{BB962C8B-B14F-4D97-AF65-F5344CB8AC3E}">
+        <p14:creationId xmlns:p14="http://schemas.microsoft.com/office/powerpoint/2010/main" val="802684543"/>
+      </p:ext>
+    </p:extLst>
+  </p:cSld>
+  <p:clrMapOvr>
+    <a:masterClrMapping/>
+  </p:clrMapOvr>
+</p:sld>
+</file>
+
 <file path=ppt/slides/slide2.xml><?xml version="1.0" encoding="utf-8"?>
 <p:sld xmlns:a="http://schemas.openxmlformats.org/drawingml/2006/main" xmlns:r="http://schemas.openxmlformats.org/officeDocument/2006/relationships" xmlns:p="http://schemas.openxmlformats.org/presentationml/2006/main">
   <p:cSld>
